--- a/20191021-Intro2R/intro2R_setup.pptx
+++ b/20191021-Intro2R/intro2R_setup.pptx
@@ -104,6 +104,11 @@
       </a:defRPr>
     </a:lvl9pPr>
   </p:defaultTextStyle>
+  <p:extLst>
+    <p:ext uri="{EFAFB233-063F-42B5-8137-9DF3F51BA10A}">
+      <p15:sldGuideLst xmlns:p15="http://schemas.microsoft.com/office/powerpoint/2012/main"/>
+    </p:ext>
+  </p:extLst>
 </p:presentation>
 </file>
 
@@ -944,7 +949,7 @@
       </dgm:t>
     </dgm:pt>
     <dgm:pt modelId="{8C1239BD-8F83-46FE-95DE-695226F1CD67}">
-      <dgm:prSet/>
+      <dgm:prSet custT="1"/>
       <dgm:spPr>
         <a:solidFill>
           <a:schemeClr val="tx2">
@@ -958,7 +963,15 @@
         <a:lstStyle/>
         <a:p>
           <a:r>
-            <a:rPr lang="en-US" dirty="0" err="1">
+            <a:rPr lang="en-US" sz="2200" b="0" i="0" dirty="0">
+              <a:solidFill>
+                <a:schemeClr val="bg1"/>
+              </a:solidFill>
+            </a:rPr>
+            <a:t>https://</a:t>
+          </a:r>
+          <a:r>
+            <a:rPr lang="en-US" sz="2200" b="0" i="0" dirty="0" err="1">
               <a:solidFill>
                 <a:schemeClr val="bg1"/>
               </a:solidFill>
@@ -966,13 +979,18 @@
             <a:t>tinyurl.com</a:t>
           </a:r>
           <a:r>
-            <a:rPr lang="en-US" dirty="0">
+            <a:rPr lang="en-US" sz="2200" b="0" i="0" dirty="0">
               <a:solidFill>
                 <a:schemeClr val="bg1"/>
               </a:solidFill>
             </a:rPr>
-            <a:t>/Intro2R_RLadiesGNV</a:t>
+            <a:t>/Intro2R-RLadiesGNV</a:t>
           </a:r>
+          <a:endParaRPr lang="en-US" sz="2200" b="0" dirty="0">
+            <a:solidFill>
+              <a:schemeClr val="bg1"/>
+            </a:solidFill>
+          </a:endParaRPr>
         </a:p>
       </dgm:t>
     </dgm:pt>
@@ -1726,12 +1744,12 @@
         <a:fontRef idx="minor"/>
       </dsp:style>
       <dsp:txBody>
-        <a:bodyPr spcFirstLastPara="0" vert="horz" wrap="square" lIns="99095" tIns="304800" rIns="99095" bIns="304800" numCol="1" spcCol="1270" anchor="ctr" anchorCtr="0">
+        <a:bodyPr spcFirstLastPara="0" vert="horz" wrap="square" lIns="99095" tIns="279400" rIns="99095" bIns="279400" numCol="1" spcCol="1270" anchor="ctr" anchorCtr="0">
           <a:noAutofit/>
         </a:bodyPr>
         <a:lstStyle/>
         <a:p>
-          <a:pPr marL="0" lvl="0" indent="0" algn="l" defTabSz="1066800">
+          <a:pPr marL="0" lvl="0" indent="0" algn="l" defTabSz="977900">
             <a:lnSpc>
               <a:spcPct val="90000"/>
             </a:lnSpc>
@@ -1744,7 +1762,15 @@
             <a:buNone/>
           </a:pPr>
           <a:r>
-            <a:rPr lang="en-US" sz="2400" kern="1200" dirty="0" err="1">
+            <a:rPr lang="en-US" sz="2200" b="0" i="0" kern="1200" dirty="0">
+              <a:solidFill>
+                <a:schemeClr val="bg1"/>
+              </a:solidFill>
+            </a:rPr>
+            <a:t>https://</a:t>
+          </a:r>
+          <a:r>
+            <a:rPr lang="en-US" sz="2200" b="0" i="0" kern="1200" dirty="0" err="1">
               <a:solidFill>
                 <a:schemeClr val="bg1"/>
               </a:solidFill>
@@ -1752,13 +1778,18 @@
             <a:t>tinyurl.com</a:t>
           </a:r>
           <a:r>
-            <a:rPr lang="en-US" sz="2400" kern="1200" dirty="0">
+            <a:rPr lang="en-US" sz="2200" b="0" i="0" kern="1200" dirty="0">
               <a:solidFill>
                 <a:schemeClr val="bg1"/>
               </a:solidFill>
             </a:rPr>
-            <a:t>/Intro2R_RLadiesGNV</a:t>
+            <a:t>/Intro2R-RLadiesGNV</a:t>
           </a:r>
+          <a:endParaRPr lang="en-US" sz="2200" b="0" kern="1200" dirty="0">
+            <a:solidFill>
+              <a:schemeClr val="bg1"/>
+            </a:solidFill>
+          </a:endParaRPr>
         </a:p>
       </dsp:txBody>
       <dsp:txXfrm>
@@ -3218,7 +3249,7 @@
           <a:p>
             <a:fld id="{CDF30110-5C13-E247-99EA-786A70736B50}" type="datetimeFigureOut">
               <a:rPr lang="en-US" smtClean="0"/>
-              <a:t>10/20/19</a:t>
+              <a:t>10/22/19</a:t>
             </a:fld>
             <a:endParaRPr lang="en-US"/>
           </a:p>
@@ -3416,7 +3447,7 @@
           <a:p>
             <a:fld id="{CDF30110-5C13-E247-99EA-786A70736B50}" type="datetimeFigureOut">
               <a:rPr lang="en-US" smtClean="0"/>
-              <a:t>10/20/19</a:t>
+              <a:t>10/22/19</a:t>
             </a:fld>
             <a:endParaRPr lang="en-US"/>
           </a:p>
@@ -3624,7 +3655,7 @@
           <a:p>
             <a:fld id="{CDF30110-5C13-E247-99EA-786A70736B50}" type="datetimeFigureOut">
               <a:rPr lang="en-US" smtClean="0"/>
-              <a:t>10/20/19</a:t>
+              <a:t>10/22/19</a:t>
             </a:fld>
             <a:endParaRPr lang="en-US"/>
           </a:p>
@@ -3822,7 +3853,7 @@
           <a:p>
             <a:fld id="{CDF30110-5C13-E247-99EA-786A70736B50}" type="datetimeFigureOut">
               <a:rPr lang="en-US" smtClean="0"/>
-              <a:t>10/20/19</a:t>
+              <a:t>10/22/19</a:t>
             </a:fld>
             <a:endParaRPr lang="en-US"/>
           </a:p>
@@ -4097,7 +4128,7 @@
           <a:p>
             <a:fld id="{CDF30110-5C13-E247-99EA-786A70736B50}" type="datetimeFigureOut">
               <a:rPr lang="en-US" smtClean="0"/>
-              <a:t>10/20/19</a:t>
+              <a:t>10/22/19</a:t>
             </a:fld>
             <a:endParaRPr lang="en-US"/>
           </a:p>
@@ -4362,7 +4393,7 @@
           <a:p>
             <a:fld id="{CDF30110-5C13-E247-99EA-786A70736B50}" type="datetimeFigureOut">
               <a:rPr lang="en-US" smtClean="0"/>
-              <a:t>10/20/19</a:t>
+              <a:t>10/22/19</a:t>
             </a:fld>
             <a:endParaRPr lang="en-US"/>
           </a:p>
@@ -4774,7 +4805,7 @@
           <a:p>
             <a:fld id="{CDF30110-5C13-E247-99EA-786A70736B50}" type="datetimeFigureOut">
               <a:rPr lang="en-US" smtClean="0"/>
-              <a:t>10/20/19</a:t>
+              <a:t>10/22/19</a:t>
             </a:fld>
             <a:endParaRPr lang="en-US"/>
           </a:p>
@@ -4915,7 +4946,7 @@
           <a:p>
             <a:fld id="{CDF30110-5C13-E247-99EA-786A70736B50}" type="datetimeFigureOut">
               <a:rPr lang="en-US" smtClean="0"/>
-              <a:t>10/20/19</a:t>
+              <a:t>10/22/19</a:t>
             </a:fld>
             <a:endParaRPr lang="en-US"/>
           </a:p>
@@ -5028,7 +5059,7 @@
           <a:p>
             <a:fld id="{CDF30110-5C13-E247-99EA-786A70736B50}" type="datetimeFigureOut">
               <a:rPr lang="en-US" smtClean="0"/>
-              <a:t>10/20/19</a:t>
+              <a:t>10/22/19</a:t>
             </a:fld>
             <a:endParaRPr lang="en-US"/>
           </a:p>
@@ -5339,7 +5370,7 @@
           <a:p>
             <a:fld id="{CDF30110-5C13-E247-99EA-786A70736B50}" type="datetimeFigureOut">
               <a:rPr lang="en-US" smtClean="0"/>
-              <a:t>10/20/19</a:t>
+              <a:t>10/22/19</a:t>
             </a:fld>
             <a:endParaRPr lang="en-US"/>
           </a:p>
@@ -5627,7 +5658,7 @@
           <a:p>
             <a:fld id="{CDF30110-5C13-E247-99EA-786A70736B50}" type="datetimeFigureOut">
               <a:rPr lang="en-US" smtClean="0"/>
-              <a:t>10/20/19</a:t>
+              <a:t>10/22/19</a:t>
             </a:fld>
             <a:endParaRPr lang="en-US"/>
           </a:p>
@@ -5868,7 +5899,7 @@
           <a:p>
             <a:fld id="{CDF30110-5C13-E247-99EA-786A70736B50}" type="datetimeFigureOut">
               <a:rPr lang="en-US" smtClean="0"/>
-              <a:t>10/20/19</a:t>
+              <a:t>10/22/19</a:t>
             </a:fld>
             <a:endParaRPr lang="en-US"/>
           </a:p>
@@ -6839,7 +6870,7 @@
           <p:nvPr>
             <p:extLst>
               <p:ext uri="{D42A27DB-BD31-4B8C-83A1-F6EECF244321}">
-                <p14:modId xmlns:p14="http://schemas.microsoft.com/office/powerpoint/2010/main" val="1335819257"/>
+                <p14:modId xmlns:p14="http://schemas.microsoft.com/office/powerpoint/2010/main" val="109018375"/>
               </p:ext>
             </p:extLst>
           </p:nvPr>
